--- a/slides/amazon_athena/docs/10.2_data_partitioning_for_amazon_athena.pptx
+++ b/slides/amazon_athena/docs/10.2_data_partitioning_for_amazon_athena.pptx
@@ -14784,16 +14784,16 @@
                 </a:solidFill>
                 <a:latin typeface="+mn-lt"/>
               </a:rPr>
-              <a:t>4. Using PySpark, partition your data/</a:t>
-            </a:r>
-            <a:r>
-              <a:rPr lang="en-US" sz="2600" dirty="0" err="1">
+              <a:t>4. Using PySpark, physically partition your data (</a:t>
+            </a:r>
+            <a:r>
+              <a:rPr lang="en-US" sz="2600">
                 <a:solidFill>
                   <a:srgbClr val="0070C0"/>
                 </a:solidFill>
                 <a:latin typeface="+mn-lt"/>
               </a:rPr>
-              <a:t>DataFrame</a:t>
+              <a:t>as a DataFrame) </a:t>
             </a:r>
             <a:r>
               <a:rPr lang="en-US" sz="2600" dirty="0">
@@ -14802,7 +14802,7 @@
                 </a:solidFill>
                 <a:latin typeface="+mn-lt"/>
               </a:rPr>
-              <a:t> for identified/selected partitioned columns</a:t>
+              <a:t>for identified/selected partitioned columns</a:t>
             </a:r>
           </a:p>
           <a:p>
